--- a/whatyoudidntknow/prezentacja.pptx
+++ b/whatyoudidntknow/prezentacja.pptx
@@ -5,11 +5,12 @@
     <p:sldMasterId id="2147483654" r:id="rId1"/>
   </p:sldMasterIdLst>
   <p:notesMasterIdLst>
-    <p:notesMasterId r:id="rId4"/>
+    <p:notesMasterId r:id="rId5"/>
   </p:notesMasterIdLst>
   <p:sldIdLst>
     <p:sldId id="256" r:id="rId2"/>
-    <p:sldId id="261" r:id="rId3"/>
+    <p:sldId id="262" r:id="rId3"/>
+    <p:sldId id="261" r:id="rId4"/>
   </p:sldIdLst>
   <p:sldSz cx="9144000" cy="5143500" type="screen16x9"/>
   <p:notesSz cx="6858000" cy="9144000"/>
@@ -2588,10 +2589,185 @@
   <p:transition spd="slow">
     <p:cut/>
   </p:transition>
+  <p:timing>
+    <p:tnLst>
+      <p:par>
+        <p:cTn id="1" dur="indefinite" restart="never" nodeType="tmRoot"/>
+      </p:par>
+    </p:tnLst>
+  </p:timing>
 </p:sld>
 </file>
 
 <file path=ppt/slides/slide2.xml><?xml version="1.0" encoding="utf-8"?>
+<p:sld xmlns:a="http://schemas.openxmlformats.org/drawingml/2006/main" xmlns:r="http://schemas.openxmlformats.org/officeDocument/2006/relationships" xmlns:p="http://schemas.openxmlformats.org/presentationml/2006/main">
+  <p:cSld>
+    <p:spTree>
+      <p:nvGrpSpPr>
+        <p:cNvPr id="1" name=""/>
+        <p:cNvGrpSpPr/>
+        <p:nvPr/>
+      </p:nvGrpSpPr>
+      <p:grpSpPr>
+        <a:xfrm>
+          <a:off x="0" y="0"/>
+          <a:ext cx="0" cy="0"/>
+          <a:chOff x="0" y="0"/>
+          <a:chExt cx="0" cy="0"/>
+        </a:xfrm>
+      </p:grpSpPr>
+      <p:sp>
+        <p:nvSpPr>
+          <p:cNvPr id="2" name="Tytuł 1"/>
+          <p:cNvSpPr>
+            <a:spLocks noGrp="1"/>
+          </p:cNvSpPr>
+          <p:nvPr>
+            <p:ph type="title"/>
+          </p:nvPr>
+        </p:nvSpPr>
+        <p:spPr/>
+        <p:txBody>
+          <a:bodyPr/>
+          <a:lstStyle/>
+          <a:p>
+            <a:r>
+              <a:rPr lang="pl-PL" dirty="0" smtClean="0"/>
+              <a:t>Tom </a:t>
+            </a:r>
+            <a:r>
+              <a:rPr lang="pl-PL" dirty="0" err="1" smtClean="0"/>
+              <a:t>Kyte</a:t>
+            </a:r>
+            <a:r>
+              <a:rPr lang="pl-PL" dirty="0" smtClean="0"/>
+              <a:t> mantra</a:t>
+            </a:r>
+            <a:endParaRPr lang="pl-PL" dirty="0"/>
+          </a:p>
+        </p:txBody>
+      </p:sp>
+      <p:sp>
+        <p:nvSpPr>
+          <p:cNvPr id="3" name="Symbol zastępczy tekstu 2"/>
+          <p:cNvSpPr>
+            <a:spLocks noGrp="1"/>
+          </p:cNvSpPr>
+          <p:nvPr>
+            <p:ph type="body" idx="1"/>
+          </p:nvPr>
+        </p:nvSpPr>
+        <p:spPr/>
+        <p:txBody>
+          <a:bodyPr/>
+          <a:lstStyle/>
+          <a:p>
+            <a:r>
+              <a:rPr lang="en-US" sz="1800" dirty="0"/>
+              <a:t>You should do it in a </a:t>
+            </a:r>
+            <a:r>
+              <a:rPr lang="en-US" sz="1800" b="1" i="1" dirty="0"/>
+              <a:t>single SQL statement</a:t>
+            </a:r>
+            <a:r>
+              <a:rPr lang="en-US" sz="1800" dirty="0"/>
+              <a:t> if at all possible.</a:t>
+            </a:r>
+          </a:p>
+          <a:p>
+            <a:r>
+              <a:rPr lang="en-US" sz="1800" dirty="0"/>
+              <a:t/>
+            </a:r>
+            <a:br>
+              <a:rPr lang="en-US" sz="1800" dirty="0"/>
+            </a:br>
+            <a:r>
+              <a:rPr lang="en-US" sz="1800" dirty="0"/>
+              <a:t>If you cannot do it in a single SQL Statement, then do it in PL/SQL.</a:t>
+            </a:r>
+          </a:p>
+          <a:p>
+            <a:r>
+              <a:rPr lang="en-US" sz="1800" dirty="0"/>
+              <a:t/>
+            </a:r>
+            <a:br>
+              <a:rPr lang="en-US" sz="1800" dirty="0"/>
+            </a:br>
+            <a:r>
+              <a:rPr lang="en-US" sz="1800" dirty="0"/>
+              <a:t>If you cannot do it in PL/SQL, try a Java Stored Procedure.</a:t>
+            </a:r>
+          </a:p>
+          <a:p>
+            <a:r>
+              <a:rPr lang="en-US" sz="1800" dirty="0"/>
+              <a:t/>
+            </a:r>
+            <a:br>
+              <a:rPr lang="en-US" sz="1800" dirty="0"/>
+            </a:br>
+            <a:r>
+              <a:rPr lang="en-US" sz="1800" dirty="0"/>
+              <a:t>If you cannot do it in Java, do it in a C external procedure.</a:t>
+            </a:r>
+          </a:p>
+          <a:p>
+            <a:r>
+              <a:rPr lang="en-US" sz="1800" dirty="0"/>
+              <a:t/>
+            </a:r>
+            <a:br>
+              <a:rPr lang="en-US" sz="1800" dirty="0"/>
+            </a:br>
+            <a:r>
+              <a:rPr lang="en-US" sz="1800" dirty="0"/>
+              <a:t>If you cannot do it in a C external routine, you might want to seriously think about why it is you need to do it…</a:t>
+            </a:r>
+          </a:p>
+          <a:p>
+            <a:r>
+              <a:rPr lang="en-US" sz="1800" dirty="0"/>
+              <a:t/>
+            </a:r>
+            <a:br>
+              <a:rPr lang="en-US" sz="1800" dirty="0"/>
+            </a:br>
+            <a:r>
+              <a:rPr lang="en-US" sz="1800" dirty="0"/>
+              <a:t>think in sets</a:t>
+            </a:r>
+            <a:r>
+              <a:rPr lang="en-US" sz="1800" dirty="0" smtClean="0"/>
+              <a:t>...</a:t>
+            </a:r>
+            <a:endParaRPr lang="en-US" sz="1800" dirty="0"/>
+          </a:p>
+        </p:txBody>
+      </p:sp>
+    </p:spTree>
+    <p:extLst>
+      <p:ext uri="{BB962C8B-B14F-4D97-AF65-F5344CB8AC3E}">
+        <p14:creationId xmlns:p14="http://schemas.microsoft.com/office/powerpoint/2010/main" val="541447021"/>
+      </p:ext>
+    </p:extLst>
+  </p:cSld>
+  <p:clrMapOvr>
+    <a:masterClrMapping/>
+  </p:clrMapOvr>
+  <p:timing>
+    <p:tnLst>
+      <p:par>
+        <p:cTn id="1" dur="indefinite" restart="never" nodeType="tmRoot"/>
+      </p:par>
+    </p:tnLst>
+  </p:timing>
+</p:sld>
+</file>
+
+<file path=ppt/slides/slide3.xml><?xml version="1.0" encoding="utf-8"?>
 <p:sld xmlns:a="http://schemas.openxmlformats.org/drawingml/2006/main" xmlns:r="http://schemas.openxmlformats.org/officeDocument/2006/relationships" xmlns:p="http://schemas.openxmlformats.org/presentationml/2006/main">
   <p:cSld>
     <p:spTree>
@@ -2683,7 +2859,7 @@
               <a:buChar char="●"/>
             </a:pPr>
             <a:r>
-              <a:rPr lang="pl"/>
+              <a:rPr lang="pl" dirty="0"/>
               <a:t>google: oracle docs</a:t>
             </a:r>
           </a:p>
@@ -2700,7 +2876,7 @@
               <a:buChar char="●"/>
             </a:pPr>
             <a:r>
-              <a:rPr lang="pl"/>
+              <a:rPr lang="pl" dirty="0"/>
               <a:t>asktom.oracle.com</a:t>
             </a:r>
           </a:p>
@@ -2717,7 +2893,7 @@
               <a:buChar char="●"/>
             </a:pPr>
             <a:r>
-              <a:rPr lang="pl">
+              <a:rPr lang="pl" dirty="0">
                 <a:solidFill>
                   <a:srgbClr val="000000"/>
                 </a:solidFill>
@@ -2739,7 +2915,7 @@
               <a:buChar char="●"/>
             </a:pPr>
             <a:r>
-              <a:rPr lang="pl"/>
+              <a:rPr lang="pl" dirty="0"/>
               <a:t>jonathanlewis.wordpress.com</a:t>
             </a:r>
           </a:p>
@@ -2753,6 +2929,13 @@
   <p:transition spd="slow">
     <p:cut/>
   </p:transition>
+  <p:timing>
+    <p:tnLst>
+      <p:par>
+        <p:cTn id="1" dur="indefinite" restart="never" nodeType="tmRoot"/>
+      </p:par>
+    </p:tnLst>
+  </p:timing>
 </p:sld>
 </file>
 

--- a/whatyoudidntknow/prezentacja.pptx
+++ b/whatyoudidntknow/prezentacja.pptx
@@ -5,12 +5,19 @@
     <p:sldMasterId id="2147483654" r:id="rId1"/>
   </p:sldMasterIdLst>
   <p:notesMasterIdLst>
-    <p:notesMasterId r:id="rId5"/>
+    <p:notesMasterId r:id="rId12"/>
   </p:notesMasterIdLst>
   <p:sldIdLst>
     <p:sldId id="256" r:id="rId2"/>
-    <p:sldId id="262" r:id="rId3"/>
-    <p:sldId id="261" r:id="rId4"/>
+    <p:sldId id="269" r:id="rId3"/>
+    <p:sldId id="262" r:id="rId4"/>
+    <p:sldId id="263" r:id="rId5"/>
+    <p:sldId id="264" r:id="rId6"/>
+    <p:sldId id="265" r:id="rId7"/>
+    <p:sldId id="266" r:id="rId8"/>
+    <p:sldId id="267" r:id="rId9"/>
+    <p:sldId id="268" r:id="rId10"/>
+    <p:sldId id="261" r:id="rId11"/>
   </p:sldIdLst>
   <p:sldSz cx="9144000" cy="5143500" type="screen16x9"/>
   <p:notesSz cx="6858000" cy="9144000"/>
@@ -2537,7 +2544,7 @@
               <a:buNone/>
             </a:pPr>
             <a:r>
-              <a:rPr lang="pl"/>
+              <a:rPr lang="pl" dirty="0"/>
               <a:t>Czego nie wiesz o Oracle</a:t>
             </a:r>
           </a:p>
@@ -2577,6 +2584,178 @@
             <a:r>
               <a:rPr lang="pl"/>
               <a:t>albo: to tak można?</a:t>
+            </a:r>
+          </a:p>
+        </p:txBody>
+      </p:sp>
+    </p:spTree>
+  </p:cSld>
+  <p:clrMapOvr>
+    <a:masterClrMapping/>
+  </p:clrMapOvr>
+  <p:transition spd="slow">
+    <p:cut/>
+  </p:transition>
+  <p:timing>
+    <p:tnLst>
+      <p:par>
+        <p:cTn id="1" dur="indefinite" restart="never" nodeType="tmRoot"/>
+      </p:par>
+    </p:tnLst>
+  </p:timing>
+</p:sld>
+</file>
+
+<file path=ppt/slides/slide10.xml><?xml version="1.0" encoding="utf-8"?>
+<p:sld xmlns:a="http://schemas.openxmlformats.org/drawingml/2006/main" xmlns:r="http://schemas.openxmlformats.org/officeDocument/2006/relationships" xmlns:p="http://schemas.openxmlformats.org/presentationml/2006/main">
+  <p:cSld>
+    <p:spTree>
+      <p:nvGrpSpPr>
+        <p:cNvPr id="1" name="Shape 52"/>
+        <p:cNvGrpSpPr/>
+        <p:nvPr/>
+      </p:nvGrpSpPr>
+      <p:grpSpPr>
+        <a:xfrm>
+          <a:off x="0" y="0"/>
+          <a:ext cx="0" cy="0"/>
+          <a:chOff x="0" y="0"/>
+          <a:chExt cx="0" cy="0"/>
+        </a:xfrm>
+      </p:grpSpPr>
+      <p:sp>
+        <p:nvSpPr>
+          <p:cNvPr id="53" name="Shape 53"/>
+          <p:cNvSpPr txBox="1">
+            <a:spLocks noGrp="1"/>
+          </p:cNvSpPr>
+          <p:nvPr>
+            <p:ph type="title"/>
+          </p:nvPr>
+        </p:nvSpPr>
+        <p:spPr>
+          <a:xfrm>
+            <a:off x="457200" y="205978"/>
+            <a:ext cx="8229600" cy="857400"/>
+          </a:xfrm>
+          <a:prstGeom prst="rect">
+            <a:avLst/>
+          </a:prstGeom>
+        </p:spPr>
+        <p:txBody>
+          <a:bodyPr lIns="91425" tIns="91425" rIns="91425" bIns="91425" anchor="b" anchorCtr="0">
+            <a:noAutofit/>
+          </a:bodyPr>
+          <a:lstStyle/>
+          <a:p>
+            <a:pPr>
+              <a:spcBef>
+                <a:spcPts val="0"/>
+              </a:spcBef>
+              <a:buNone/>
+            </a:pPr>
+            <a:r>
+              <a:rPr lang="pl"/>
+              <a:t>Gdzie szukać informacji</a:t>
+            </a:r>
+          </a:p>
+        </p:txBody>
+      </p:sp>
+      <p:sp>
+        <p:nvSpPr>
+          <p:cNvPr id="54" name="Shape 54"/>
+          <p:cNvSpPr txBox="1">
+            <a:spLocks noGrp="1"/>
+          </p:cNvSpPr>
+          <p:nvPr>
+            <p:ph type="body" idx="1"/>
+          </p:nvPr>
+        </p:nvSpPr>
+        <p:spPr>
+          <a:xfrm>
+            <a:off x="457200" y="1200150"/>
+            <a:ext cx="8229600" cy="3725699"/>
+          </a:xfrm>
+          <a:prstGeom prst="rect">
+            <a:avLst/>
+          </a:prstGeom>
+        </p:spPr>
+        <p:txBody>
+          <a:bodyPr lIns="91425" tIns="91425" rIns="91425" bIns="91425" anchor="t" anchorCtr="0">
+            <a:noAutofit/>
+          </a:bodyPr>
+          <a:lstStyle/>
+          <a:p>
+            <a:pPr marL="457200" lvl="0" indent="-419100" rtl="0">
+              <a:spcBef>
+                <a:spcPts val="0"/>
+              </a:spcBef>
+              <a:buClr>
+                <a:schemeClr val="dk1"/>
+              </a:buClr>
+              <a:buSzPct val="100000"/>
+              <a:buFont typeface="Arial"/>
+              <a:buChar char="●"/>
+            </a:pPr>
+            <a:r>
+              <a:rPr lang="pl" dirty="0"/>
+              <a:t>google: oracle docs</a:t>
+            </a:r>
+          </a:p>
+          <a:p>
+            <a:pPr marL="457200" lvl="0" indent="-419100" rtl="0">
+              <a:spcBef>
+                <a:spcPts val="0"/>
+              </a:spcBef>
+              <a:buClr>
+                <a:schemeClr val="dk1"/>
+              </a:buClr>
+              <a:buSzPct val="100000"/>
+              <a:buFont typeface="Arial"/>
+              <a:buChar char="●"/>
+            </a:pPr>
+            <a:r>
+              <a:rPr lang="pl" dirty="0"/>
+              <a:t>asktom.oracle.com</a:t>
+            </a:r>
+          </a:p>
+          <a:p>
+            <a:pPr marL="457200" lvl="0" indent="-419100" rtl="0">
+              <a:spcBef>
+                <a:spcPts val="0"/>
+              </a:spcBef>
+              <a:buClr>
+                <a:srgbClr val="000000"/>
+              </a:buClr>
+              <a:buSzPct val="100000"/>
+              <a:buFont typeface="Arial"/>
+              <a:buChar char="●"/>
+            </a:pPr>
+            <a:r>
+              <a:rPr lang="pl" dirty="0">
+                <a:solidFill>
+                  <a:srgbClr val="000000"/>
+                </a:solidFill>
+                <a:hlinkClick r:id="rId3"/>
+              </a:rPr>
+              <a:t>www.stevenfeuerstein.com</a:t>
+            </a:r>
+          </a:p>
+          <a:p>
+            <a:pPr marL="457200" lvl="0" indent="-419100" rtl="0">
+              <a:spcBef>
+                <a:spcPts val="0"/>
+              </a:spcBef>
+              <a:buClr>
+                <a:schemeClr val="dk1"/>
+              </a:buClr>
+              <a:buSzPct val="100000"/>
+              <a:buFont typeface="Arial"/>
+              <a:buChar char="●"/>
+            </a:pPr>
+            <a:r>
+              <a:rPr lang="pl" dirty="0"/>
+              <a:t>jonathanlewis.wordpress.com</a:t>
             </a:r>
           </a:p>
         </p:txBody>
@@ -2631,6 +2810,89 @@
           <a:bodyPr/>
           <a:lstStyle/>
           <a:p>
+            <a:endParaRPr lang="pl-PL" dirty="0"/>
+          </a:p>
+        </p:txBody>
+      </p:sp>
+      <p:sp>
+        <p:nvSpPr>
+          <p:cNvPr id="3" name="Symbol zastępczy tekstu 2"/>
+          <p:cNvSpPr>
+            <a:spLocks noGrp="1"/>
+          </p:cNvSpPr>
+          <p:nvPr>
+            <p:ph type="body" idx="1"/>
+          </p:nvPr>
+        </p:nvSpPr>
+        <p:spPr/>
+        <p:txBody>
+          <a:bodyPr/>
+          <a:lstStyle/>
+          <a:p>
+            <a:r>
+              <a:rPr lang="pl-PL" dirty="0"/>
+              <a:t>@</a:t>
+            </a:r>
+            <a:r>
+              <a:rPr lang="pl-PL" dirty="0" err="1" smtClean="0"/>
+              <a:t>subquery_refactoring</a:t>
+            </a:r>
+            <a:endParaRPr lang="pl-PL" dirty="0"/>
+          </a:p>
+        </p:txBody>
+      </p:sp>
+    </p:spTree>
+    <p:extLst>
+      <p:ext uri="{BB962C8B-B14F-4D97-AF65-F5344CB8AC3E}">
+        <p14:creationId xmlns:p14="http://schemas.microsoft.com/office/powerpoint/2010/main" val="1664155358"/>
+      </p:ext>
+    </p:extLst>
+  </p:cSld>
+  <p:clrMapOvr>
+    <a:masterClrMapping/>
+  </p:clrMapOvr>
+  <p:timing>
+    <p:tnLst>
+      <p:par>
+        <p:cTn id="1" dur="indefinite" restart="never" nodeType="tmRoot"/>
+      </p:par>
+    </p:tnLst>
+  </p:timing>
+</p:sld>
+</file>
+
+<file path=ppt/slides/slide3.xml><?xml version="1.0" encoding="utf-8"?>
+<p:sld xmlns:a="http://schemas.openxmlformats.org/drawingml/2006/main" xmlns:r="http://schemas.openxmlformats.org/officeDocument/2006/relationships" xmlns:p="http://schemas.openxmlformats.org/presentationml/2006/main">
+  <p:cSld>
+    <p:spTree>
+      <p:nvGrpSpPr>
+        <p:cNvPr id="1" name=""/>
+        <p:cNvGrpSpPr/>
+        <p:nvPr/>
+      </p:nvGrpSpPr>
+      <p:grpSpPr>
+        <a:xfrm>
+          <a:off x="0" y="0"/>
+          <a:ext cx="0" cy="0"/>
+          <a:chOff x="0" y="0"/>
+          <a:chExt cx="0" cy="0"/>
+        </a:xfrm>
+      </p:grpSpPr>
+      <p:sp>
+        <p:nvSpPr>
+          <p:cNvPr id="2" name="Tytuł 1"/>
+          <p:cNvSpPr>
+            <a:spLocks noGrp="1"/>
+          </p:cNvSpPr>
+          <p:nvPr>
+            <p:ph type="title"/>
+          </p:nvPr>
+        </p:nvSpPr>
+        <p:spPr/>
+        <p:txBody>
+          <a:bodyPr/>
+          <a:lstStyle/>
+          <a:p>
             <a:r>
               <a:rPr lang="pl-PL" dirty="0" smtClean="0"/>
               <a:t>Tom </a:t>
@@ -2767,12 +3029,12 @@
 </p:sld>
 </file>
 
-<file path=ppt/slides/slide3.xml><?xml version="1.0" encoding="utf-8"?>
+<file path=ppt/slides/slide4.xml><?xml version="1.0" encoding="utf-8"?>
 <p:sld xmlns:a="http://schemas.openxmlformats.org/drawingml/2006/main" xmlns:r="http://schemas.openxmlformats.org/officeDocument/2006/relationships" xmlns:p="http://schemas.openxmlformats.org/presentationml/2006/main">
   <p:cSld>
     <p:spTree>
       <p:nvGrpSpPr>
-        <p:cNvPr id="1" name="Shape 52"/>
+        <p:cNvPr id="1" name=""/>
         <p:cNvGrpSpPr/>
         <p:nvPr/>
       </p:nvGrpSpPr>
@@ -2786,149 +3048,134 @@
       </p:grpSpPr>
       <p:sp>
         <p:nvSpPr>
-          <p:cNvPr id="53" name="Shape 53"/>
-          <p:cNvSpPr txBox="1">
+          <p:cNvPr id="2" name="Tytuł 1"/>
+          <p:cNvSpPr>
             <a:spLocks noGrp="1"/>
           </p:cNvSpPr>
           <p:nvPr>
             <p:ph type="title"/>
           </p:nvPr>
         </p:nvSpPr>
-        <p:spPr>
-          <a:xfrm>
-            <a:off x="457200" y="205978"/>
-            <a:ext cx="8229600" cy="857400"/>
-          </a:xfrm>
-          <a:prstGeom prst="rect">
-            <a:avLst/>
-          </a:prstGeom>
-        </p:spPr>
+        <p:spPr/>
         <p:txBody>
-          <a:bodyPr lIns="91425" tIns="91425" rIns="91425" bIns="91425" anchor="b" anchorCtr="0">
-            <a:noAutofit/>
-          </a:bodyPr>
+          <a:bodyPr/>
           <a:lstStyle/>
           <a:p>
-            <a:pPr>
-              <a:spcBef>
-                <a:spcPts val="0"/>
-              </a:spcBef>
-              <a:buNone/>
-            </a:pPr>
-            <a:r>
-              <a:rPr lang="pl"/>
-              <a:t>Gdzie szukać informacji</a:t>
-            </a:r>
+            <a:r>
+              <a:rPr lang="pl-PL" dirty="0" smtClean="0"/>
+              <a:t>Do </a:t>
+            </a:r>
+            <a:r>
+              <a:rPr lang="pl-PL" dirty="0" err="1" smtClean="0"/>
+              <a:t>it</a:t>
+            </a:r>
+            <a:r>
+              <a:rPr lang="pl-PL" dirty="0" smtClean="0"/>
+              <a:t> in single SQL</a:t>
+            </a:r>
+            <a:endParaRPr lang="pl-PL" dirty="0"/>
           </a:p>
         </p:txBody>
       </p:sp>
       <p:sp>
         <p:nvSpPr>
-          <p:cNvPr id="54" name="Shape 54"/>
-          <p:cNvSpPr txBox="1">
+          <p:cNvPr id="3" name="Symbol zastępczy tekstu 2"/>
+          <p:cNvSpPr>
             <a:spLocks noGrp="1"/>
           </p:cNvSpPr>
           <p:nvPr>
             <p:ph type="body" idx="1"/>
           </p:nvPr>
         </p:nvSpPr>
-        <p:spPr>
-          <a:xfrm>
-            <a:off x="457200" y="1200150"/>
-            <a:ext cx="8229600" cy="3725699"/>
-          </a:xfrm>
-          <a:prstGeom prst="rect">
-            <a:avLst/>
-          </a:prstGeom>
-        </p:spPr>
+        <p:spPr/>
         <p:txBody>
-          <a:bodyPr lIns="91425" tIns="91425" rIns="91425" bIns="91425" anchor="t" anchorCtr="0">
-            <a:noAutofit/>
-          </a:bodyPr>
+          <a:bodyPr/>
           <a:lstStyle/>
           <a:p>
-            <a:pPr marL="457200" lvl="0" indent="-419100" rtl="0">
-              <a:spcBef>
-                <a:spcPts val="0"/>
-              </a:spcBef>
-              <a:buClr>
-                <a:schemeClr val="dk1"/>
-              </a:buClr>
-              <a:buSzPct val="100000"/>
-              <a:buFont typeface="Arial"/>
-              <a:buChar char="●"/>
-            </a:pPr>
-            <a:r>
-              <a:rPr lang="pl" dirty="0"/>
-              <a:t>google: oracle docs</a:t>
-            </a:r>
-          </a:p>
-          <a:p>
-            <a:pPr marL="457200" lvl="0" indent="-419100" rtl="0">
-              <a:spcBef>
-                <a:spcPts val="0"/>
-              </a:spcBef>
-              <a:buClr>
-                <a:schemeClr val="dk1"/>
-              </a:buClr>
-              <a:buSzPct val="100000"/>
-              <a:buFont typeface="Arial"/>
-              <a:buChar char="●"/>
-            </a:pPr>
-            <a:r>
-              <a:rPr lang="pl" dirty="0"/>
-              <a:t>asktom.oracle.com</a:t>
-            </a:r>
-          </a:p>
-          <a:p>
-            <a:pPr marL="457200" lvl="0" indent="-419100" rtl="0">
-              <a:spcBef>
-                <a:spcPts val="0"/>
-              </a:spcBef>
-              <a:buClr>
-                <a:srgbClr val="000000"/>
-              </a:buClr>
-              <a:buSzPct val="100000"/>
-              <a:buFont typeface="Arial"/>
-              <a:buChar char="●"/>
-            </a:pPr>
-            <a:r>
-              <a:rPr lang="pl" dirty="0">
-                <a:solidFill>
-                  <a:srgbClr val="000000"/>
-                </a:solidFill>
-                <a:hlinkClick r:id="rId3"/>
-              </a:rPr>
-              <a:t>www.stevenfeuerstein.com</a:t>
-            </a:r>
-          </a:p>
-          <a:p>
-            <a:pPr marL="457200" lvl="0" indent="-419100" rtl="0">
-              <a:spcBef>
-                <a:spcPts val="0"/>
-              </a:spcBef>
-              <a:buClr>
-                <a:schemeClr val="dk1"/>
-              </a:buClr>
-              <a:buSzPct val="100000"/>
-              <a:buFont typeface="Arial"/>
-              <a:buChar char="●"/>
-            </a:pPr>
-            <a:r>
-              <a:rPr lang="pl" dirty="0"/>
-              <a:t>jonathanlewis.wordpress.com</a:t>
-            </a:r>
+            <a:r>
+              <a:rPr lang="pl-PL" dirty="0" smtClean="0"/>
+              <a:t>@</a:t>
+            </a:r>
+            <a:r>
+              <a:rPr lang="pl-PL" dirty="0" err="1" smtClean="0"/>
+              <a:t>hierarchical</a:t>
+            </a:r>
+            <a:endParaRPr lang="pl-PL" dirty="0" smtClean="0"/>
+          </a:p>
+          <a:p>
+            <a:r>
+              <a:rPr lang="pl-PL" dirty="0" smtClean="0"/>
+              <a:t>@</a:t>
+            </a:r>
+            <a:r>
+              <a:rPr lang="pl-PL" dirty="0" err="1" smtClean="0"/>
+              <a:t>recursive</a:t>
+            </a:r>
+            <a:endParaRPr lang="pl-PL" dirty="0" smtClean="0"/>
+          </a:p>
+          <a:p>
+            <a:r>
+              <a:rPr lang="pl-PL" dirty="0" smtClean="0"/>
+              <a:t>@</a:t>
+            </a:r>
+            <a:r>
+              <a:rPr lang="pl-PL" dirty="0" err="1" smtClean="0"/>
+              <a:t>merge</a:t>
+            </a:r>
+            <a:endParaRPr lang="pl-PL" dirty="0" smtClean="0"/>
+          </a:p>
+          <a:p>
+            <a:r>
+              <a:rPr lang="pl-PL" dirty="0" smtClean="0"/>
+              <a:t>@</a:t>
+            </a:r>
+            <a:r>
+              <a:rPr lang="pl-PL" dirty="0" err="1" smtClean="0"/>
+              <a:t>multitable_insert</a:t>
+            </a:r>
+            <a:endParaRPr lang="pl-PL" dirty="0" smtClean="0"/>
+          </a:p>
+          <a:p>
+            <a:r>
+              <a:rPr lang="pl-PL" dirty="0" smtClean="0"/>
+              <a:t>@</a:t>
+            </a:r>
+            <a:r>
+              <a:rPr lang="pl-PL" dirty="0" err="1" smtClean="0"/>
+              <a:t>analytics</a:t>
+            </a:r>
+            <a:endParaRPr lang="pl-PL" dirty="0" smtClean="0"/>
+          </a:p>
+          <a:p>
+            <a:r>
+              <a:rPr lang="pl-PL" dirty="0" smtClean="0"/>
+              <a:t>@</a:t>
+            </a:r>
+            <a:r>
+              <a:rPr lang="pl-PL" dirty="0" err="1" smtClean="0"/>
+              <a:t>user_defined_aggr</a:t>
+            </a:r>
+            <a:endParaRPr lang="pl-PL" dirty="0" smtClean="0"/>
+          </a:p>
+          <a:p>
+            <a:r>
+              <a:rPr lang="pl-PL" dirty="0" smtClean="0"/>
+              <a:t>@model</a:t>
+            </a:r>
+            <a:endParaRPr lang="pl-PL" dirty="0"/>
           </a:p>
         </p:txBody>
       </p:sp>
     </p:spTree>
+    <p:extLst>
+      <p:ext uri="{BB962C8B-B14F-4D97-AF65-F5344CB8AC3E}">
+        <p14:creationId xmlns:p14="http://schemas.microsoft.com/office/powerpoint/2010/main" val="3958446548"/>
+      </p:ext>
+    </p:extLst>
   </p:cSld>
   <p:clrMapOvr>
     <a:masterClrMapping/>
   </p:clrMapOvr>
-  <p:transition spd="slow">
-    <p:cut/>
-  </p:transition>
   <p:timing>
     <p:tnLst>
       <p:par>
@@ -2936,6 +3183,474 @@
       </p:par>
     </p:tnLst>
   </p:timing>
+</p:sld>
+</file>
+
+<file path=ppt/slides/slide5.xml><?xml version="1.0" encoding="utf-8"?>
+<p:sld xmlns:a="http://schemas.openxmlformats.org/drawingml/2006/main" xmlns:r="http://schemas.openxmlformats.org/officeDocument/2006/relationships" xmlns:p="http://schemas.openxmlformats.org/presentationml/2006/main">
+  <p:cSld>
+    <p:spTree>
+      <p:nvGrpSpPr>
+        <p:cNvPr id="1" name=""/>
+        <p:cNvGrpSpPr/>
+        <p:nvPr/>
+      </p:nvGrpSpPr>
+      <p:grpSpPr>
+        <a:xfrm>
+          <a:off x="0" y="0"/>
+          <a:ext cx="0" cy="0"/>
+          <a:chOff x="0" y="0"/>
+          <a:chExt cx="0" cy="0"/>
+        </a:xfrm>
+      </p:grpSpPr>
+      <p:sp>
+        <p:nvSpPr>
+          <p:cNvPr id="2" name="Tytuł 1"/>
+          <p:cNvSpPr>
+            <a:spLocks noGrp="1"/>
+          </p:cNvSpPr>
+          <p:nvPr>
+            <p:ph type="title"/>
+          </p:nvPr>
+        </p:nvSpPr>
+        <p:spPr/>
+        <p:txBody>
+          <a:bodyPr/>
+          <a:lstStyle/>
+          <a:p>
+            <a:r>
+              <a:rPr lang="pl-PL" dirty="0" smtClean="0"/>
+              <a:t>…</a:t>
+            </a:r>
+            <a:r>
+              <a:rPr lang="en-US" dirty="0" smtClean="0"/>
+              <a:t>then </a:t>
+            </a:r>
+            <a:r>
+              <a:rPr lang="en-US" dirty="0"/>
+              <a:t>do it in PL/SQL.</a:t>
+            </a:r>
+            <a:endParaRPr lang="pl-PL" dirty="0"/>
+          </a:p>
+        </p:txBody>
+      </p:sp>
+      <p:sp>
+        <p:nvSpPr>
+          <p:cNvPr id="3" name="Symbol zastępczy tekstu 2"/>
+          <p:cNvSpPr>
+            <a:spLocks noGrp="1"/>
+          </p:cNvSpPr>
+          <p:nvPr>
+            <p:ph type="body" idx="1"/>
+          </p:nvPr>
+        </p:nvSpPr>
+        <p:spPr/>
+        <p:txBody>
+          <a:bodyPr/>
+          <a:lstStyle/>
+          <a:p>
+            <a:r>
+              <a:rPr lang="pl-PL" dirty="0" smtClean="0"/>
+              <a:t>@</a:t>
+            </a:r>
+            <a:r>
+              <a:rPr lang="pl-PL" dirty="0" err="1" smtClean="0"/>
+              <a:t>plsql_wtfs</a:t>
+            </a:r>
+            <a:endParaRPr lang="pl-PL" dirty="0"/>
+          </a:p>
+        </p:txBody>
+      </p:sp>
+    </p:spTree>
+    <p:extLst>
+      <p:ext uri="{BB962C8B-B14F-4D97-AF65-F5344CB8AC3E}">
+        <p14:creationId xmlns:p14="http://schemas.microsoft.com/office/powerpoint/2010/main" val="2757467624"/>
+      </p:ext>
+    </p:extLst>
+  </p:cSld>
+  <p:clrMapOvr>
+    <a:masterClrMapping/>
+  </p:clrMapOvr>
+  <p:timing>
+    <p:tnLst>
+      <p:par>
+        <p:cTn id="1" dur="indefinite" restart="never" nodeType="tmRoot"/>
+      </p:par>
+    </p:tnLst>
+  </p:timing>
+</p:sld>
+</file>
+
+<file path=ppt/slides/slide6.xml><?xml version="1.0" encoding="utf-8"?>
+<p:sld xmlns:a="http://schemas.openxmlformats.org/drawingml/2006/main" xmlns:r="http://schemas.openxmlformats.org/officeDocument/2006/relationships" xmlns:p="http://schemas.openxmlformats.org/presentationml/2006/main">
+  <p:cSld>
+    <p:spTree>
+      <p:nvGrpSpPr>
+        <p:cNvPr id="1" name=""/>
+        <p:cNvGrpSpPr/>
+        <p:nvPr/>
+      </p:nvGrpSpPr>
+      <p:grpSpPr>
+        <a:xfrm>
+          <a:off x="0" y="0"/>
+          <a:ext cx="0" cy="0"/>
+          <a:chOff x="0" y="0"/>
+          <a:chExt cx="0" cy="0"/>
+        </a:xfrm>
+      </p:grpSpPr>
+      <p:sp>
+        <p:nvSpPr>
+          <p:cNvPr id="2" name="Tytuł 1"/>
+          <p:cNvSpPr>
+            <a:spLocks noGrp="1"/>
+          </p:cNvSpPr>
+          <p:nvPr>
+            <p:ph type="title"/>
+          </p:nvPr>
+        </p:nvSpPr>
+        <p:spPr/>
+        <p:txBody>
+          <a:bodyPr/>
+          <a:lstStyle/>
+          <a:p>
+            <a:r>
+              <a:rPr lang="pl-PL" dirty="0" smtClean="0"/>
+              <a:t>… </a:t>
+            </a:r>
+            <a:r>
+              <a:rPr lang="en-US" dirty="0" smtClean="0"/>
+              <a:t>try </a:t>
+            </a:r>
+            <a:r>
+              <a:rPr lang="en-US" dirty="0"/>
+              <a:t>a Java Stored Procedure</a:t>
+            </a:r>
+            <a:r>
+              <a:rPr lang="en-US" dirty="0" smtClean="0"/>
+              <a:t>.</a:t>
+            </a:r>
+            <a:endParaRPr lang="pl-PL" dirty="0"/>
+          </a:p>
+        </p:txBody>
+      </p:sp>
+      <p:sp>
+        <p:nvSpPr>
+          <p:cNvPr id="3" name="Symbol zastępczy tekstu 2"/>
+          <p:cNvSpPr>
+            <a:spLocks noGrp="1"/>
+          </p:cNvSpPr>
+          <p:nvPr>
+            <p:ph type="body" idx="1"/>
+          </p:nvPr>
+        </p:nvSpPr>
+        <p:spPr/>
+        <p:txBody>
+          <a:bodyPr/>
+          <a:lstStyle/>
+          <a:p>
+            <a:r>
+              <a:rPr lang="pl-PL" dirty="0"/>
+              <a:t>@</a:t>
+            </a:r>
+            <a:r>
+              <a:rPr lang="pl-PL" dirty="0" err="1"/>
+              <a:t>java_stored_procs</a:t>
+            </a:r>
+            <a:endParaRPr lang="pl-PL" dirty="0"/>
+          </a:p>
+        </p:txBody>
+      </p:sp>
+    </p:spTree>
+    <p:extLst>
+      <p:ext uri="{BB962C8B-B14F-4D97-AF65-F5344CB8AC3E}">
+        <p14:creationId xmlns:p14="http://schemas.microsoft.com/office/powerpoint/2010/main" val="1099877582"/>
+      </p:ext>
+    </p:extLst>
+  </p:cSld>
+  <p:clrMapOvr>
+    <a:masterClrMapping/>
+  </p:clrMapOvr>
+</p:sld>
+</file>
+
+<file path=ppt/slides/slide7.xml><?xml version="1.0" encoding="utf-8"?>
+<p:sld xmlns:a="http://schemas.openxmlformats.org/drawingml/2006/main" xmlns:r="http://schemas.openxmlformats.org/officeDocument/2006/relationships" xmlns:p="http://schemas.openxmlformats.org/presentationml/2006/main">
+  <p:cSld>
+    <p:spTree>
+      <p:nvGrpSpPr>
+        <p:cNvPr id="1" name=""/>
+        <p:cNvGrpSpPr/>
+        <p:nvPr/>
+      </p:nvGrpSpPr>
+      <p:grpSpPr>
+        <a:xfrm>
+          <a:off x="0" y="0"/>
+          <a:ext cx="0" cy="0"/>
+          <a:chOff x="0" y="0"/>
+          <a:chExt cx="0" cy="0"/>
+        </a:xfrm>
+      </p:grpSpPr>
+      <p:sp>
+        <p:nvSpPr>
+          <p:cNvPr id="2" name="Tytuł 1"/>
+          <p:cNvSpPr>
+            <a:spLocks noGrp="1"/>
+          </p:cNvSpPr>
+          <p:nvPr>
+            <p:ph type="title"/>
+          </p:nvPr>
+        </p:nvSpPr>
+        <p:spPr/>
+        <p:txBody>
+          <a:bodyPr/>
+          <a:lstStyle/>
+          <a:p>
+            <a:r>
+              <a:rPr lang="pl-PL" dirty="0" smtClean="0"/>
+              <a:t>…</a:t>
+            </a:r>
+            <a:r>
+              <a:rPr lang="en-US" dirty="0" smtClean="0"/>
+              <a:t> </a:t>
+            </a:r>
+            <a:r>
+              <a:rPr lang="en-US" dirty="0"/>
+              <a:t>C external procedure</a:t>
+            </a:r>
+            <a:r>
+              <a:rPr lang="en-US" dirty="0" smtClean="0"/>
+              <a:t>.</a:t>
+            </a:r>
+            <a:endParaRPr lang="pl-PL" dirty="0"/>
+          </a:p>
+        </p:txBody>
+      </p:sp>
+      <p:sp>
+        <p:nvSpPr>
+          <p:cNvPr id="3" name="Symbol zastępczy tekstu 2"/>
+          <p:cNvSpPr>
+            <a:spLocks noGrp="1"/>
+          </p:cNvSpPr>
+          <p:nvPr>
+            <p:ph type="body" idx="1"/>
+          </p:nvPr>
+        </p:nvSpPr>
+        <p:spPr/>
+        <p:txBody>
+          <a:bodyPr/>
+          <a:lstStyle/>
+          <a:p>
+            <a:r>
+              <a:rPr lang="pl-PL" dirty="0" smtClean="0"/>
+              <a:t>Nigdy nie musiałem</a:t>
+            </a:r>
+            <a:endParaRPr lang="pl-PL" dirty="0"/>
+          </a:p>
+        </p:txBody>
+      </p:sp>
+    </p:spTree>
+    <p:extLst>
+      <p:ext uri="{BB962C8B-B14F-4D97-AF65-F5344CB8AC3E}">
+        <p14:creationId xmlns:p14="http://schemas.microsoft.com/office/powerpoint/2010/main" val="2658774447"/>
+      </p:ext>
+    </p:extLst>
+  </p:cSld>
+  <p:clrMapOvr>
+    <a:masterClrMapping/>
+  </p:clrMapOvr>
+</p:sld>
+</file>
+
+<file path=ppt/slides/slide8.xml><?xml version="1.0" encoding="utf-8"?>
+<p:sld xmlns:a="http://schemas.openxmlformats.org/drawingml/2006/main" xmlns:r="http://schemas.openxmlformats.org/officeDocument/2006/relationships" xmlns:p="http://schemas.openxmlformats.org/presentationml/2006/main">
+  <p:cSld>
+    <p:spTree>
+      <p:nvGrpSpPr>
+        <p:cNvPr id="1" name=""/>
+        <p:cNvGrpSpPr/>
+        <p:nvPr/>
+      </p:nvGrpSpPr>
+      <p:grpSpPr>
+        <a:xfrm>
+          <a:off x="0" y="0"/>
+          <a:ext cx="0" cy="0"/>
+          <a:chOff x="0" y="0"/>
+          <a:chExt cx="0" cy="0"/>
+        </a:xfrm>
+      </p:grpSpPr>
+      <p:sp>
+        <p:nvSpPr>
+          <p:cNvPr id="2" name="Tytuł 1"/>
+          <p:cNvSpPr>
+            <a:spLocks noGrp="1"/>
+          </p:cNvSpPr>
+          <p:nvPr>
+            <p:ph type="title"/>
+          </p:nvPr>
+        </p:nvSpPr>
+        <p:spPr/>
+        <p:txBody>
+          <a:bodyPr/>
+          <a:lstStyle/>
+          <a:p>
+            <a:r>
+              <a:rPr lang="pl-PL" dirty="0" smtClean="0"/>
+              <a:t>Inne dziwne </a:t>
+            </a:r>
+            <a:r>
+              <a:rPr lang="pl-PL" dirty="0" err="1" smtClean="0"/>
+              <a:t>SQLe</a:t>
+            </a:r>
+            <a:endParaRPr lang="pl-PL" dirty="0"/>
+          </a:p>
+        </p:txBody>
+      </p:sp>
+      <p:sp>
+        <p:nvSpPr>
+          <p:cNvPr id="3" name="Symbol zastępczy tekstu 2"/>
+          <p:cNvSpPr>
+            <a:spLocks noGrp="1"/>
+          </p:cNvSpPr>
+          <p:nvPr>
+            <p:ph type="body" idx="1"/>
+          </p:nvPr>
+        </p:nvSpPr>
+        <p:spPr/>
+        <p:txBody>
+          <a:bodyPr/>
+          <a:lstStyle/>
+          <a:p>
+            <a:r>
+              <a:rPr lang="pl-PL" dirty="0" smtClean="0"/>
+              <a:t>@</a:t>
+            </a:r>
+            <a:r>
+              <a:rPr lang="pl-PL" dirty="0" err="1" smtClean="0"/>
+              <a:t>flashback</a:t>
+            </a:r>
+            <a:endParaRPr lang="pl-PL" dirty="0" smtClean="0"/>
+          </a:p>
+          <a:p>
+            <a:r>
+              <a:rPr lang="pl-PL" dirty="0" smtClean="0"/>
+              <a:t>@</a:t>
+            </a:r>
+            <a:r>
+              <a:rPr lang="pl-PL" dirty="0" err="1" smtClean="0"/>
+              <a:t>xml_queries</a:t>
+            </a:r>
+            <a:endParaRPr lang="pl-PL" dirty="0" smtClean="0"/>
+          </a:p>
+        </p:txBody>
+      </p:sp>
+    </p:spTree>
+    <p:extLst>
+      <p:ext uri="{BB962C8B-B14F-4D97-AF65-F5344CB8AC3E}">
+        <p14:creationId xmlns:p14="http://schemas.microsoft.com/office/powerpoint/2010/main" val="1449211946"/>
+      </p:ext>
+    </p:extLst>
+  </p:cSld>
+  <p:clrMapOvr>
+    <a:masterClrMapping/>
+  </p:clrMapOvr>
+</p:sld>
+</file>
+
+<file path=ppt/slides/slide9.xml><?xml version="1.0" encoding="utf-8"?>
+<p:sld xmlns:a="http://schemas.openxmlformats.org/drawingml/2006/main" xmlns:r="http://schemas.openxmlformats.org/officeDocument/2006/relationships" xmlns:p="http://schemas.openxmlformats.org/presentationml/2006/main">
+  <p:cSld>
+    <p:spTree>
+      <p:nvGrpSpPr>
+        <p:cNvPr id="1" name=""/>
+        <p:cNvGrpSpPr/>
+        <p:nvPr/>
+      </p:nvGrpSpPr>
+      <p:grpSpPr>
+        <a:xfrm>
+          <a:off x="0" y="0"/>
+          <a:ext cx="0" cy="0"/>
+          <a:chOff x="0" y="0"/>
+          <a:chExt cx="0" cy="0"/>
+        </a:xfrm>
+      </p:grpSpPr>
+      <p:sp>
+        <p:nvSpPr>
+          <p:cNvPr id="2" name="Tytuł 1"/>
+          <p:cNvSpPr>
+            <a:spLocks noGrp="1"/>
+          </p:cNvSpPr>
+          <p:nvPr>
+            <p:ph type="title"/>
+          </p:nvPr>
+        </p:nvSpPr>
+        <p:spPr/>
+        <p:txBody>
+          <a:bodyPr/>
+          <a:lstStyle/>
+          <a:p>
+            <a:r>
+              <a:rPr lang="pl-PL" dirty="0" smtClean="0"/>
+              <a:t>Inne ciekawostki</a:t>
+            </a:r>
+            <a:endParaRPr lang="pl-PL" dirty="0"/>
+          </a:p>
+        </p:txBody>
+      </p:sp>
+      <p:sp>
+        <p:nvSpPr>
+          <p:cNvPr id="3" name="Symbol zastępczy tekstu 2"/>
+          <p:cNvSpPr>
+            <a:spLocks noGrp="1"/>
+          </p:cNvSpPr>
+          <p:nvPr>
+            <p:ph type="body" idx="1"/>
+          </p:nvPr>
+        </p:nvSpPr>
+        <p:spPr/>
+        <p:txBody>
+          <a:bodyPr/>
+          <a:lstStyle/>
+          <a:p>
+            <a:r>
+              <a:rPr lang="pl-PL" dirty="0" smtClean="0"/>
+              <a:t>@</a:t>
+            </a:r>
+            <a:r>
+              <a:rPr lang="pl-PL" dirty="0" err="1" smtClean="0"/>
+              <a:t>iot</a:t>
+            </a:r>
+            <a:endParaRPr lang="pl-PL" smtClean="0"/>
+          </a:p>
+          <a:p>
+            <a:r>
+              <a:rPr lang="pl-PL" smtClean="0"/>
+              <a:t>Spójność </a:t>
+            </a:r>
+            <a:r>
+              <a:rPr lang="pl-PL" dirty="0" smtClean="0"/>
+              <a:t>w </a:t>
+            </a:r>
+            <a:r>
+              <a:rPr lang="pl-PL" dirty="0" err="1" smtClean="0"/>
+              <a:t>oracle’u</a:t>
+            </a:r>
+            <a:endParaRPr lang="pl-PL" dirty="0" smtClean="0"/>
+          </a:p>
+          <a:p>
+            <a:endParaRPr lang="pl-PL" dirty="0"/>
+          </a:p>
+        </p:txBody>
+      </p:sp>
+    </p:spTree>
+    <p:extLst>
+      <p:ext uri="{BB962C8B-B14F-4D97-AF65-F5344CB8AC3E}">
+        <p14:creationId xmlns:p14="http://schemas.microsoft.com/office/powerpoint/2010/main" val="200046633"/>
+      </p:ext>
+    </p:extLst>
+  </p:cSld>
+  <p:clrMapOvr>
+    <a:masterClrMapping/>
+  </p:clrMapOvr>
 </p:sld>
 </file>
 
